--- a/assets/img/projects/Biobank/logo.pptx
+++ b/assets/img/projects/Biobank/logo.pptx
@@ -6,6 +6,7 @@
   </p:sldMasterIdLst>
   <p:sldIdLst>
     <p:sldId id="256" r:id="rId2"/>
+    <p:sldId id="257" r:id="rId3"/>
   </p:sldIdLst>
   <p:sldSz cx="12192000" cy="6858000"/>
   <p:notesSz cx="6858000" cy="9144000"/>
@@ -3371,8 +3372,8 @@
         </p:blipFill>
         <p:spPr bwMode="auto">
           <a:xfrm>
-            <a:off x="5137924" y="2649229"/>
-            <a:ext cx="4871824" cy="527781"/>
+            <a:off x="4978364" y="2938393"/>
+            <a:ext cx="4528682" cy="490607"/>
           </a:xfrm>
           <a:prstGeom prst="rect">
             <a:avLst/>
@@ -3418,8 +3419,8 @@
         </p:blipFill>
         <p:spPr bwMode="auto">
           <a:xfrm>
-            <a:off x="8184814" y="273342"/>
-            <a:ext cx="1824934" cy="2123899"/>
+            <a:off x="9819651" y="829249"/>
+            <a:ext cx="2233804" cy="2599751"/>
           </a:xfrm>
           <a:prstGeom prst="rect">
             <a:avLst/>
@@ -3465,8 +3466,8 @@
         </p:blipFill>
         <p:spPr bwMode="auto">
           <a:xfrm>
-            <a:off x="4818280" y="666907"/>
-            <a:ext cx="2755556" cy="1099751"/>
+            <a:off x="5317043" y="971693"/>
+            <a:ext cx="3640260" cy="1452839"/>
           </a:xfrm>
           <a:prstGeom prst="rect">
             <a:avLst/>
@@ -3505,7 +3506,7 @@
         </p:blipFill>
         <p:spPr>
           <a:xfrm>
-            <a:off x="466295" y="428025"/>
+            <a:off x="383168" y="608134"/>
             <a:ext cx="3929449" cy="1577516"/>
           </a:xfrm>
           <a:prstGeom prst="rect">
@@ -3542,7 +3543,7 @@
         </p:blipFill>
         <p:spPr bwMode="auto">
           <a:xfrm>
-            <a:off x="488751" y="2397241"/>
+            <a:off x="405624" y="2577350"/>
             <a:ext cx="3906993" cy="1031759"/>
           </a:xfrm>
           <a:prstGeom prst="rect">
@@ -3564,6 +3565,119 @@
     <p:extLst>
       <p:ext uri="{BB962C8B-B14F-4D97-AF65-F5344CB8AC3E}">
         <p14:creationId xmlns:p14="http://schemas.microsoft.com/office/powerpoint/2010/main" val="3167479171"/>
+      </p:ext>
+    </p:extLst>
+  </p:cSld>
+  <p:clrMapOvr>
+    <a:masterClrMapping/>
+  </p:clrMapOvr>
+</p:sld>
+</file>
+
+<file path=ppt/slides/slide2.xml><?xml version="1.0" encoding="utf-8"?>
+<p:sld xmlns:a="http://schemas.openxmlformats.org/drawingml/2006/main" xmlns:r="http://schemas.openxmlformats.org/officeDocument/2006/relationships" xmlns:p="http://schemas.openxmlformats.org/presentationml/2006/main">
+  <p:cSld>
+    <p:spTree>
+      <p:nvGrpSpPr>
+        <p:cNvPr id="1" name="">
+          <a:extLst>
+            <a:ext uri="{FF2B5EF4-FFF2-40B4-BE49-F238E27FC236}">
+              <a16:creationId xmlns:a16="http://schemas.microsoft.com/office/drawing/2014/main" id="{73D44B35-AF08-4FEB-4F3B-3DB08CAF57D1}"/>
+            </a:ext>
+          </a:extLst>
+        </p:cNvPr>
+        <p:cNvGrpSpPr/>
+        <p:nvPr/>
+      </p:nvGrpSpPr>
+      <p:grpSpPr>
+        <a:xfrm>
+          <a:off x="0" y="0"/>
+          <a:ext cx="0" cy="0"/>
+          <a:chOff x="0" y="0"/>
+          <a:chExt cx="0" cy="0"/>
+        </a:xfrm>
+      </p:grpSpPr>
+      <p:pic>
+        <p:nvPicPr>
+          <p:cNvPr id="5" name="Picture 4" descr="A logo with text and symbols&#10;&#10;AI-generated content may be incorrect.">
+            <a:extLst>
+              <a:ext uri="{FF2B5EF4-FFF2-40B4-BE49-F238E27FC236}">
+                <a16:creationId xmlns:a16="http://schemas.microsoft.com/office/drawing/2014/main" id="{E096751F-6F96-6F56-E7B8-6BBEBFF3FF83}"/>
+              </a:ext>
+            </a:extLst>
+          </p:cNvPr>
+          <p:cNvPicPr>
+            <a:picLocks noChangeAspect="1"/>
+          </p:cNvPicPr>
+          <p:nvPr/>
+        </p:nvPicPr>
+        <p:blipFill>
+          <a:blip r:embed="rId2"/>
+          <a:stretch>
+            <a:fillRect/>
+          </a:stretch>
+        </p:blipFill>
+        <p:spPr>
+          <a:xfrm>
+            <a:off x="383168" y="608134"/>
+            <a:ext cx="3929449" cy="1577516"/>
+          </a:xfrm>
+          <a:prstGeom prst="rect">
+            <a:avLst/>
+          </a:prstGeom>
+        </p:spPr>
+      </p:pic>
+      <p:pic>
+        <p:nvPicPr>
+          <p:cNvPr id="1038" name="Picture 14" descr="University of West London – University Alliance">
+            <a:extLst>
+              <a:ext uri="{FF2B5EF4-FFF2-40B4-BE49-F238E27FC236}">
+                <a16:creationId xmlns:a16="http://schemas.microsoft.com/office/drawing/2014/main" id="{DA8A8DE1-EB48-0AB6-8C4A-47A674E83943}"/>
+              </a:ext>
+            </a:extLst>
+          </p:cNvPr>
+          <p:cNvPicPr>
+            <a:picLocks noChangeAspect="1" noChangeArrowheads="1"/>
+          </p:cNvPicPr>
+          <p:nvPr/>
+        </p:nvPicPr>
+        <p:blipFill>
+          <a:blip r:embed="rId3">
+            <a:extLst>
+              <a:ext uri="{28A0092B-C50C-407E-A947-70E740481C1C}">
+                <a14:useLocalDpi xmlns:a14="http://schemas.microsoft.com/office/drawing/2010/main" val="0"/>
+              </a:ext>
+            </a:extLst>
+          </a:blip>
+          <a:srcRect/>
+          <a:stretch>
+            <a:fillRect/>
+          </a:stretch>
+        </p:blipFill>
+        <p:spPr bwMode="auto">
+          <a:xfrm>
+            <a:off x="4839078" y="758954"/>
+            <a:ext cx="4831394" cy="1275875"/>
+          </a:xfrm>
+          <a:prstGeom prst="rect">
+            <a:avLst/>
+          </a:prstGeom>
+          <a:noFill/>
+          <a:extLst>
+            <a:ext uri="{909E8E84-426E-40DD-AFC4-6F175D3DCCD1}">
+              <a14:hiddenFill xmlns:a14="http://schemas.microsoft.com/office/drawing/2010/main">
+                <a:solidFill>
+                  <a:srgbClr val="FFFFFF"/>
+                </a:solidFill>
+              </a14:hiddenFill>
+            </a:ext>
+          </a:extLst>
+        </p:spPr>
+      </p:pic>
+    </p:spTree>
+    <p:extLst>
+      <p:ext uri="{BB962C8B-B14F-4D97-AF65-F5344CB8AC3E}">
+        <p14:creationId xmlns:p14="http://schemas.microsoft.com/office/powerpoint/2010/main" val="1558290808"/>
       </p:ext>
     </p:extLst>
   </p:cSld>
